--- a/会员体系/精准营销/电商v2.0/疾病_活动/线下活动流程.pptx
+++ b/会员体系/精准营销/电商v2.0/疾病_活动/线下活动流程.pptx
@@ -200,7 +200,7 @@
           <a:p>
             <a:fld id="{8A53BAF2-1E6E-42A0-9FB1-7F55AD0C241D}" type="datetimeFigureOut">
               <a:rPr lang="zh-CN" altLang="en-US" smtClean="0"/>
-              <a:t>2020/2/11</a:t>
+              <a:t>2020/2/12</a:t>
             </a:fld>
             <a:endParaRPr lang="zh-CN" altLang="en-US"/>
           </a:p>
@@ -861,7 +861,7 @@
           <a:p>
             <a:fld id="{FC0CD2E9-A934-4722-8BEE-DC331D6D7B3B}" type="datetimeFigureOut">
               <a:rPr lang="zh-CN" altLang="en-US" smtClean="0"/>
-              <a:t>2020/2/11</a:t>
+              <a:t>2020/2/12</a:t>
             </a:fld>
             <a:endParaRPr lang="zh-CN" altLang="en-US"/>
           </a:p>
@@ -1059,7 +1059,7 @@
           <a:p>
             <a:fld id="{FC0CD2E9-A934-4722-8BEE-DC331D6D7B3B}" type="datetimeFigureOut">
               <a:rPr lang="zh-CN" altLang="en-US" smtClean="0"/>
-              <a:t>2020/2/11</a:t>
+              <a:t>2020/2/12</a:t>
             </a:fld>
             <a:endParaRPr lang="zh-CN" altLang="en-US"/>
           </a:p>
@@ -1267,7 +1267,7 @@
           <a:p>
             <a:fld id="{FC0CD2E9-A934-4722-8BEE-DC331D6D7B3B}" type="datetimeFigureOut">
               <a:rPr lang="zh-CN" altLang="en-US" smtClean="0"/>
-              <a:t>2020/2/11</a:t>
+              <a:t>2020/2/12</a:t>
             </a:fld>
             <a:endParaRPr lang="zh-CN" altLang="en-US"/>
           </a:p>
@@ -1955,7 +1955,7 @@
           <a:p>
             <a:fld id="{FC0CD2E9-A934-4722-8BEE-DC331D6D7B3B}" type="datetimeFigureOut">
               <a:rPr lang="zh-CN" altLang="en-US" smtClean="0"/>
-              <a:t>2020/2/11</a:t>
+              <a:t>2020/2/12</a:t>
             </a:fld>
             <a:endParaRPr lang="zh-CN" altLang="en-US"/>
           </a:p>
@@ -2230,7 +2230,7 @@
           <a:p>
             <a:fld id="{FC0CD2E9-A934-4722-8BEE-DC331D6D7B3B}" type="datetimeFigureOut">
               <a:rPr lang="zh-CN" altLang="en-US" smtClean="0"/>
-              <a:t>2020/2/11</a:t>
+              <a:t>2020/2/12</a:t>
             </a:fld>
             <a:endParaRPr lang="zh-CN" altLang="en-US"/>
           </a:p>
@@ -2495,7 +2495,7 @@
           <a:p>
             <a:fld id="{FC0CD2E9-A934-4722-8BEE-DC331D6D7B3B}" type="datetimeFigureOut">
               <a:rPr lang="zh-CN" altLang="en-US" smtClean="0"/>
-              <a:t>2020/2/11</a:t>
+              <a:t>2020/2/12</a:t>
             </a:fld>
             <a:endParaRPr lang="zh-CN" altLang="en-US"/>
           </a:p>
@@ -2907,7 +2907,7 @@
           <a:p>
             <a:fld id="{FC0CD2E9-A934-4722-8BEE-DC331D6D7B3B}" type="datetimeFigureOut">
               <a:rPr lang="zh-CN" altLang="en-US" smtClean="0"/>
-              <a:t>2020/2/11</a:t>
+              <a:t>2020/2/12</a:t>
             </a:fld>
             <a:endParaRPr lang="zh-CN" altLang="en-US"/>
           </a:p>
@@ -3048,7 +3048,7 @@
           <a:p>
             <a:fld id="{FC0CD2E9-A934-4722-8BEE-DC331D6D7B3B}" type="datetimeFigureOut">
               <a:rPr lang="zh-CN" altLang="en-US" smtClean="0"/>
-              <a:t>2020/2/11</a:t>
+              <a:t>2020/2/12</a:t>
             </a:fld>
             <a:endParaRPr lang="zh-CN" altLang="en-US"/>
           </a:p>
@@ -3161,7 +3161,7 @@
           <a:p>
             <a:fld id="{FC0CD2E9-A934-4722-8BEE-DC331D6D7B3B}" type="datetimeFigureOut">
               <a:rPr lang="zh-CN" altLang="en-US" smtClean="0"/>
-              <a:t>2020/2/11</a:t>
+              <a:t>2020/2/12</a:t>
             </a:fld>
             <a:endParaRPr lang="zh-CN" altLang="en-US"/>
           </a:p>
@@ -3472,7 +3472,7 @@
           <a:p>
             <a:fld id="{FC0CD2E9-A934-4722-8BEE-DC331D6D7B3B}" type="datetimeFigureOut">
               <a:rPr lang="zh-CN" altLang="en-US" smtClean="0"/>
-              <a:t>2020/2/11</a:t>
+              <a:t>2020/2/12</a:t>
             </a:fld>
             <a:endParaRPr lang="zh-CN" altLang="en-US"/>
           </a:p>
@@ -3763,7 +3763,7 @@
           <a:p>
             <a:fld id="{FC0CD2E9-A934-4722-8BEE-DC331D6D7B3B}" type="datetimeFigureOut">
               <a:rPr lang="zh-CN" altLang="en-US" smtClean="0"/>
-              <a:t>2020/2/11</a:t>
+              <a:t>2020/2/12</a:t>
             </a:fld>
             <a:endParaRPr lang="zh-CN" altLang="en-US"/>
           </a:p>
@@ -4004,7 +4004,7 @@
           <a:p>
             <a:fld id="{FC0CD2E9-A934-4722-8BEE-DC331D6D7B3B}" type="datetimeFigureOut">
               <a:rPr lang="zh-CN" altLang="en-US" smtClean="0"/>
-              <a:t>2020/2/11</a:t>
+              <a:t>2020/2/12</a:t>
             </a:fld>
             <a:endParaRPr lang="zh-CN" altLang="en-US"/>
           </a:p>
@@ -7107,7 +7107,7 @@
             </a:r>
             <a:r>
               <a:rPr lang="zh-CN" altLang="en-US" dirty="0"/>
-              <a:t>哪些疾病，什么条件</a:t>
+              <a:t>哪些区域，什么条件</a:t>
             </a:r>
             <a:endParaRPr lang="zh-CN" altLang="en-US" sz="1600" dirty="0">
               <a:solidFill>
